--- a/计算机网络-自顶向下/第一章总结.pptx
+++ b/计算机网络-自顶向下/第一章总结.pptx
@@ -5,10 +5,10 @@
     <p:sldMasterId id="2147483648" r:id="rId1"/>
   </p:sldMasterIdLst>
   <p:notesMasterIdLst>
-    <p:notesMasterId r:id="rId10"/>
+    <p:notesMasterId r:id="rId11"/>
   </p:notesMasterIdLst>
   <p:handoutMasterIdLst>
-    <p:handoutMasterId r:id="rId11"/>
+    <p:handoutMasterId r:id="rId12"/>
   </p:handoutMasterIdLst>
   <p:sldIdLst>
     <p:sldId id="256" r:id="rId3"/>
@@ -18,6 +18,7 @@
     <p:sldId id="259" r:id="rId7"/>
     <p:sldId id="260" r:id="rId8"/>
     <p:sldId id="265" r:id="rId9"/>
+    <p:sldId id="268" r:id="rId10"/>
   </p:sldIdLst>
   <p:sldSz cx="12192000" cy="6858000"/>
   <p:notesSz cx="7103745" cy="10234295"/>
@@ -3596,7 +3597,7 @@
         </p:nvSpPr>
         <p:spPr>
           <a:xfrm>
-            <a:off x="1550035" y="766445"/>
+            <a:off x="1420495" y="601980"/>
             <a:ext cx="7613650" cy="5908040"/>
           </a:xfrm>
           <a:prstGeom prst="rect">
@@ -4275,6 +4276,101 @@
               <a:t>动作</a:t>
             </a:r>
             <a:endParaRPr lang="zh-CN" altLang="en-US"/>
+          </a:p>
+        </p:txBody>
+      </p:sp>
+    </p:spTree>
+  </p:cSld>
+  <p:clrMapOvr>
+    <a:masterClrMapping/>
+  </p:clrMapOvr>
+</p:sld>
+</file>
+
+<file path=ppt/slides/slide8.xml><?xml version="1.0" encoding="utf-8"?>
+<p:sld xmlns:a="http://schemas.openxmlformats.org/drawingml/2006/main" xmlns:r="http://schemas.openxmlformats.org/officeDocument/2006/relationships" xmlns:p="http://schemas.openxmlformats.org/presentationml/2006/main">
+  <p:cSld>
+    <p:spTree>
+      <p:nvGrpSpPr>
+        <p:cNvPr id="1" name=""/>
+        <p:cNvGrpSpPr/>
+        <p:nvPr/>
+      </p:nvGrpSpPr>
+      <p:grpSpPr>
+        <a:xfrm>
+          <a:off x="0" y="0"/>
+          <a:ext cx="0" cy="0"/>
+          <a:chOff x="0" y="0"/>
+          <a:chExt cx="0" cy="0"/>
+        </a:xfrm>
+      </p:grpSpPr>
+      <p:sp>
+        <p:nvSpPr>
+          <p:cNvPr id="3" name="文本框 2"/>
+          <p:cNvSpPr txBox="1"/>
+          <p:nvPr/>
+        </p:nvSpPr>
+        <p:spPr>
+          <a:xfrm>
+            <a:off x="911860" y="1680210"/>
+            <a:ext cx="10880090" cy="1533525"/>
+          </a:xfrm>
+          <a:prstGeom prst="rect">
+            <a:avLst/>
+          </a:prstGeom>
+          <a:noFill/>
+        </p:spPr>
+        <p:txBody>
+          <a:bodyPr wrap="square" rtlCol="0">
+            <a:noAutofit/>
+          </a:bodyPr>
+          <a:p>
+            <a:r>
+              <a:rPr lang="en-US" altLang="zh-CN" sz="19900"/>
+              <a:t>TCP</a:t>
+            </a:r>
+            <a:r>
+              <a:rPr lang="zh-CN" altLang="en-US" sz="19900"/>
+              <a:t>协议</a:t>
+            </a:r>
+            <a:endParaRPr lang="en-US" altLang="zh-CN" sz="19900"/>
+          </a:p>
+          <a:p>
+            <a:endParaRPr lang="en-US" altLang="zh-CN" sz="19900"/>
+          </a:p>
+        </p:txBody>
+      </p:sp>
+      <p:sp>
+        <p:nvSpPr>
+          <p:cNvPr id="4" name="文本框 3"/>
+          <p:cNvSpPr txBox="1"/>
+          <p:nvPr/>
+        </p:nvSpPr>
+        <p:spPr>
+          <a:xfrm>
+            <a:off x="6096000" y="4725035"/>
+            <a:ext cx="4998720" cy="2306955"/>
+          </a:xfrm>
+          <a:prstGeom prst="rect">
+            <a:avLst/>
+          </a:prstGeom>
+          <a:noFill/>
+        </p:spPr>
+        <p:txBody>
+          <a:bodyPr wrap="square" rtlCol="0">
+            <a:spAutoFit/>
+          </a:bodyPr>
+          <a:p>
+            <a:r>
+              <a:rPr lang="zh-CN" altLang="en-US" sz="7200">
+                <a:sym typeface="+mn-ea"/>
+              </a:rPr>
+              <a:t>到底是什么？</a:t>
+            </a:r>
+            <a:endParaRPr lang="zh-CN" altLang="en-US" sz="7200"/>
+          </a:p>
+          <a:p>
+            <a:endParaRPr lang="zh-CN" altLang="en-US" sz="7200"/>
           </a:p>
         </p:txBody>
       </p:sp>
